--- a/ОП и ОА/Курсовая работа/Презентация/Разработка графического движка.pptx
+++ b/ОП и ОА/Курсовая работа/Презентация/Разработка графического движка.pptx
@@ -113,6 +113,11 @@
       </a:defRPr>
     </a:lvl9pPr>
   </p:defaultTextStyle>
+  <p:extLst>
+    <p:ext uri="{EFAFB233-063F-42B5-8137-9DF3F51BA10A}">
+      <p15:sldGuideLst xmlns:p15="http://schemas.microsoft.com/office/powerpoint/2012/main"/>
+    </p:ext>
+  </p:extLst>
 </p:presentation>
 </file>
 
@@ -263,7 +268,7 @@
           <a:p>
             <a:fld id="{1A4E3A44-6973-4E42-B9AC-BFB7327E7DE7}" type="datetimeFigureOut">
               <a:rPr lang="ru-RU" smtClean="0"/>
-              <a:t>24.12.2023</a:t>
+              <a:t>25.12.2023</a:t>
             </a:fld>
             <a:endParaRPr lang="ru-RU"/>
           </a:p>
@@ -461,7 +466,7 @@
           <a:p>
             <a:fld id="{1A4E3A44-6973-4E42-B9AC-BFB7327E7DE7}" type="datetimeFigureOut">
               <a:rPr lang="ru-RU" smtClean="0"/>
-              <a:t>24.12.2023</a:t>
+              <a:t>25.12.2023</a:t>
             </a:fld>
             <a:endParaRPr lang="ru-RU"/>
           </a:p>
@@ -669,7 +674,7 @@
           <a:p>
             <a:fld id="{1A4E3A44-6973-4E42-B9AC-BFB7327E7DE7}" type="datetimeFigureOut">
               <a:rPr lang="ru-RU" smtClean="0"/>
-              <a:t>24.12.2023</a:t>
+              <a:t>25.12.2023</a:t>
             </a:fld>
             <a:endParaRPr lang="ru-RU"/>
           </a:p>
@@ -867,7 +872,7 @@
           <a:p>
             <a:fld id="{1A4E3A44-6973-4E42-B9AC-BFB7327E7DE7}" type="datetimeFigureOut">
               <a:rPr lang="ru-RU" smtClean="0"/>
-              <a:t>24.12.2023</a:t>
+              <a:t>25.12.2023</a:t>
             </a:fld>
             <a:endParaRPr lang="ru-RU"/>
           </a:p>
@@ -1142,7 +1147,7 @@
           <a:p>
             <a:fld id="{1A4E3A44-6973-4E42-B9AC-BFB7327E7DE7}" type="datetimeFigureOut">
               <a:rPr lang="ru-RU" smtClean="0"/>
-              <a:t>24.12.2023</a:t>
+              <a:t>25.12.2023</a:t>
             </a:fld>
             <a:endParaRPr lang="ru-RU"/>
           </a:p>
@@ -1407,7 +1412,7 @@
           <a:p>
             <a:fld id="{1A4E3A44-6973-4E42-B9AC-BFB7327E7DE7}" type="datetimeFigureOut">
               <a:rPr lang="ru-RU" smtClean="0"/>
-              <a:t>24.12.2023</a:t>
+              <a:t>25.12.2023</a:t>
             </a:fld>
             <a:endParaRPr lang="ru-RU"/>
           </a:p>
@@ -1819,7 +1824,7 @@
           <a:p>
             <a:fld id="{1A4E3A44-6973-4E42-B9AC-BFB7327E7DE7}" type="datetimeFigureOut">
               <a:rPr lang="ru-RU" smtClean="0"/>
-              <a:t>24.12.2023</a:t>
+              <a:t>25.12.2023</a:t>
             </a:fld>
             <a:endParaRPr lang="ru-RU"/>
           </a:p>
@@ -1960,7 +1965,7 @@
           <a:p>
             <a:fld id="{1A4E3A44-6973-4E42-B9AC-BFB7327E7DE7}" type="datetimeFigureOut">
               <a:rPr lang="ru-RU" smtClean="0"/>
-              <a:t>24.12.2023</a:t>
+              <a:t>25.12.2023</a:t>
             </a:fld>
             <a:endParaRPr lang="ru-RU"/>
           </a:p>
@@ -2073,7 +2078,7 @@
           <a:p>
             <a:fld id="{1A4E3A44-6973-4E42-B9AC-BFB7327E7DE7}" type="datetimeFigureOut">
               <a:rPr lang="ru-RU" smtClean="0"/>
-              <a:t>24.12.2023</a:t>
+              <a:t>25.12.2023</a:t>
             </a:fld>
             <a:endParaRPr lang="ru-RU"/>
           </a:p>
@@ -2384,7 +2389,7 @@
           <a:p>
             <a:fld id="{1A4E3A44-6973-4E42-B9AC-BFB7327E7DE7}" type="datetimeFigureOut">
               <a:rPr lang="ru-RU" smtClean="0"/>
-              <a:t>24.12.2023</a:t>
+              <a:t>25.12.2023</a:t>
             </a:fld>
             <a:endParaRPr lang="ru-RU"/>
           </a:p>
@@ -2672,7 +2677,7 @@
           <a:p>
             <a:fld id="{1A4E3A44-6973-4E42-B9AC-BFB7327E7DE7}" type="datetimeFigureOut">
               <a:rPr lang="ru-RU" smtClean="0"/>
-              <a:t>24.12.2023</a:t>
+              <a:t>25.12.2023</a:t>
             </a:fld>
             <a:endParaRPr lang="ru-RU"/>
           </a:p>
@@ -2922,7 +2927,7 @@
           <a:p>
             <a:fld id="{1A4E3A44-6973-4E42-B9AC-BFB7327E7DE7}" type="datetimeFigureOut">
               <a:rPr lang="ru-RU" smtClean="0"/>
-              <a:t>24.12.2023</a:t>
+              <a:t>25.12.2023</a:t>
             </a:fld>
             <a:endParaRPr lang="ru-RU"/>
           </a:p>
@@ -5741,8 +5746,8 @@
             </p:nvSpPr>
             <p:spPr>
               <a:xfrm>
-                <a:off x="1235439" y="1645959"/>
-                <a:ext cx="4280942" cy="2708684"/>
+                <a:off x="1235438" y="1645959"/>
+                <a:ext cx="4446453" cy="2708684"/>
               </a:xfrm>
               <a:prstGeom prst="rect">
                 <a:avLst/>
@@ -5929,24 +5934,32 @@
                       <m:sSub>
                         <m:sSubPr>
                           <m:ctrlPr>
-                            <a:rPr lang="ru-RU" sz="2400" i="1"/>
+                            <a:rPr lang="ru-RU" sz="2400" i="1">
+                              <a:latin typeface="Cambria Math" panose="02040503050406030204" pitchFamily="18" charset="0"/>
+                            </a:rPr>
                           </m:ctrlPr>
                         </m:sSubPr>
                         <m:e>
                           <m:r>
-                            <a:rPr lang="ru-RU" sz="2400" i="1"/>
+                            <a:rPr lang="ru-RU" sz="2400" i="1">
+                              <a:latin typeface="Cambria Math" panose="02040503050406030204" pitchFamily="18" charset="0"/>
+                            </a:rPr>
                             <m:t>𝐿</m:t>
                           </m:r>
                         </m:e>
                         <m:sub>
                           <m:r>
-                            <a:rPr lang="ru-RU" sz="2400" i="1"/>
+                            <a:rPr lang="ru-RU" sz="2400" i="1">
+                              <a:latin typeface="Cambria Math" panose="02040503050406030204" pitchFamily="18" charset="0"/>
+                            </a:rPr>
                             <m:t>𝑟</m:t>
                           </m:r>
                         </m:sub>
                       </m:sSub>
                       <m:r>
-                        <a:rPr lang="ru-RU" sz="2400" i="1"/>
+                        <a:rPr lang="ru-RU" sz="2400" i="1">
+                          <a:latin typeface="Cambria Math" panose="02040503050406030204" pitchFamily="18" charset="0"/>
+                        </a:rPr>
                         <m:t>=</m:t>
                       </m:r>
                       <m:nary>
@@ -5954,12 +5967,16 @@
                           <m:chr m:val="∑"/>
                           <m:supHide m:val="on"/>
                           <m:ctrlPr>
-                            <a:rPr lang="ru-RU" sz="2400" i="1"/>
+                            <a:rPr lang="ru-RU" sz="2400" i="1">
+                              <a:latin typeface="Cambria Math" panose="02040503050406030204" pitchFamily="18" charset="0"/>
+                            </a:rPr>
                           </m:ctrlPr>
                         </m:naryPr>
                         <m:sub>
                           <m:r>
-                            <a:rPr lang="ru-RU" sz="2400" i="1"/>
+                            <a:rPr lang="ru-RU" sz="2400" i="1">
+                              <a:latin typeface="Cambria Math" panose="02040503050406030204" pitchFamily="18" charset="0"/>
+                            </a:rPr>
                             <m:t>𝑛</m:t>
                           </m:r>
                         </m:sub>
@@ -5968,18 +5985,24 @@
                           <m:sSub>
                             <m:sSubPr>
                               <m:ctrlPr>
-                                <a:rPr lang="ru-RU" sz="2400" i="1"/>
+                                <a:rPr lang="ru-RU" sz="2400" i="1">
+                                  <a:latin typeface="Cambria Math" panose="02040503050406030204" pitchFamily="18" charset="0"/>
+                                </a:rPr>
                               </m:ctrlPr>
                             </m:sSubPr>
                             <m:e>
                               <m:r>
-                                <a:rPr lang="ru-RU" sz="2400" i="1"/>
+                                <a:rPr lang="ru-RU" sz="2400" i="1">
+                                  <a:latin typeface="Cambria Math" panose="02040503050406030204" pitchFamily="18" charset="0"/>
+                                </a:rPr>
                                 <m:t>𝑓</m:t>
                               </m:r>
                             </m:e>
                             <m:sub>
                               <m:r>
-                                <a:rPr lang="ru-RU" sz="2400" i="1"/>
+                                <a:rPr lang="ru-RU" sz="2400" i="1">
+                                  <a:latin typeface="Cambria Math" panose="02040503050406030204" pitchFamily="18" charset="0"/>
+                                </a:rPr>
                                 <m:t>𝑟</m:t>
                               </m:r>
                             </m:sub>
@@ -5987,56 +6010,76 @@
                           <m:d>
                             <m:dPr>
                               <m:ctrlPr>
-                                <a:rPr lang="ru-RU" sz="2400" i="1"/>
+                                <a:rPr lang="ru-RU" sz="2400" i="1">
+                                  <a:latin typeface="Cambria Math" panose="02040503050406030204" pitchFamily="18" charset="0"/>
+                                </a:rPr>
                               </m:ctrlPr>
                             </m:dPr>
                             <m:e>
                               <m:r>
-                                <a:rPr lang="ru-RU" sz="2400" i="1"/>
+                                <a:rPr lang="ru-RU" sz="2400" i="1">
+                                  <a:latin typeface="Cambria Math" panose="02040503050406030204" pitchFamily="18" charset="0"/>
+                                </a:rPr>
                                 <m:t>𝑝</m:t>
                               </m:r>
                               <m:r>
-                                <a:rPr lang="ru-RU" sz="2400" i="1"/>
+                                <a:rPr lang="ru-RU" sz="2400" i="1">
+                                  <a:latin typeface="Cambria Math" panose="02040503050406030204" pitchFamily="18" charset="0"/>
+                                </a:rPr>
                                 <m:t>,</m:t>
                               </m:r>
                               <m:sSub>
                                 <m:sSubPr>
                                   <m:ctrlPr>
-                                    <a:rPr lang="ru-RU" sz="2400" i="1"/>
+                                    <a:rPr lang="ru-RU" sz="2400" i="1">
+                                      <a:latin typeface="Cambria Math" panose="02040503050406030204" pitchFamily="18" charset="0"/>
+                                    </a:rPr>
                                   </m:ctrlPr>
                                 </m:sSubPr>
                                 <m:e>
                                   <m:r>
-                                    <a:rPr lang="ru-RU" sz="2400" i="1"/>
+                                    <a:rPr lang="ru-RU" sz="2400" i="1">
+                                      <a:latin typeface="Cambria Math" panose="02040503050406030204" pitchFamily="18" charset="0"/>
+                                    </a:rPr>
                                     <m:t>𝑤</m:t>
                                   </m:r>
                                 </m:e>
                                 <m:sub>
                                   <m:r>
-                                    <a:rPr lang="ru-RU" sz="2400" i="1"/>
+                                    <a:rPr lang="ru-RU" sz="2400" i="1">
+                                      <a:latin typeface="Cambria Math" panose="02040503050406030204" pitchFamily="18" charset="0"/>
+                                    </a:rPr>
                                     <m:t>𝑖</m:t>
                                   </m:r>
                                 </m:sub>
                               </m:sSub>
                               <m:r>
-                                <a:rPr lang="ru-RU" sz="2400" i="1"/>
+                                <a:rPr lang="ru-RU" sz="2400" i="1">
+                                  <a:latin typeface="Cambria Math" panose="02040503050406030204" pitchFamily="18" charset="0"/>
+                                </a:rPr>
                                 <m:t>,</m:t>
                               </m:r>
                               <m:sSub>
                                 <m:sSubPr>
                                   <m:ctrlPr>
-                                    <a:rPr lang="ru-RU" sz="2400" i="1"/>
+                                    <a:rPr lang="ru-RU" sz="2400" i="1">
+                                      <a:latin typeface="Cambria Math" panose="02040503050406030204" pitchFamily="18" charset="0"/>
+                                    </a:rPr>
                                   </m:ctrlPr>
                                 </m:sSubPr>
                                 <m:e>
                                   <m:r>
-                                    <a:rPr lang="ru-RU" sz="2400" i="1"/>
+                                    <a:rPr lang="ru-RU" sz="2400" i="1">
+                                      <a:latin typeface="Cambria Math" panose="02040503050406030204" pitchFamily="18" charset="0"/>
+                                    </a:rPr>
                                     <m:t>𝑤</m:t>
                                   </m:r>
                                 </m:e>
                                 <m:sub>
                                   <m:r>
-                                    <a:rPr lang="ru-RU" sz="2400" i="1"/>
+                                    <a:rPr lang="ru-RU" sz="2400" i="1">
+                                      <a:latin typeface="Cambria Math" panose="02040503050406030204" pitchFamily="18" charset="0"/>
+                                    </a:rPr>
                                     <m:t>0</m:t>
                                   </m:r>
                                 </m:sub>
@@ -6048,18 +6091,24 @@
                       <m:sSub>
                         <m:sSubPr>
                           <m:ctrlPr>
-                            <a:rPr lang="ru-RU" sz="2400" i="1"/>
+                            <a:rPr lang="ru-RU" sz="2400" i="1">
+                              <a:latin typeface="Cambria Math" panose="02040503050406030204" pitchFamily="18" charset="0"/>
+                            </a:rPr>
                           </m:ctrlPr>
                         </m:sSubPr>
                         <m:e>
                           <m:r>
-                            <a:rPr lang="ru-RU" sz="2400" i="1"/>
+                            <a:rPr lang="ru-RU" sz="2400" i="1">
+                              <a:latin typeface="Cambria Math" panose="02040503050406030204" pitchFamily="18" charset="0"/>
+                            </a:rPr>
                             <m:t>𝐿</m:t>
                           </m:r>
                         </m:e>
                         <m:sub>
                           <m:r>
-                            <a:rPr lang="ru-RU" sz="2400" i="1"/>
+                            <a:rPr lang="ru-RU" sz="2400" i="1">
+                              <a:latin typeface="Cambria Math" panose="02040503050406030204" pitchFamily="18" charset="0"/>
+                            </a:rPr>
                             <m:t>𝑖</m:t>
                           </m:r>
                         </m:sub>
@@ -6067,35 +6116,47 @@
                       <m:d>
                         <m:dPr>
                           <m:ctrlPr>
-                            <a:rPr lang="ru-RU" sz="2400" i="1"/>
+                            <a:rPr lang="ru-RU" sz="2400" i="1">
+                              <a:latin typeface="Cambria Math" panose="02040503050406030204" pitchFamily="18" charset="0"/>
+                            </a:rPr>
                           </m:ctrlPr>
                         </m:dPr>
                         <m:e>
                           <m:sSub>
                             <m:sSubPr>
                               <m:ctrlPr>
-                                <a:rPr lang="ru-RU" sz="2400" i="1"/>
+                                <a:rPr lang="ru-RU" sz="2400" i="1">
+                                  <a:latin typeface="Cambria Math" panose="02040503050406030204" pitchFamily="18" charset="0"/>
+                                </a:rPr>
                               </m:ctrlPr>
                             </m:sSubPr>
                             <m:e>
                               <m:r>
-                                <a:rPr lang="ru-RU" sz="2400" i="1"/>
+                                <a:rPr lang="ru-RU" sz="2400" i="1">
+                                  <a:latin typeface="Cambria Math" panose="02040503050406030204" pitchFamily="18" charset="0"/>
+                                </a:rPr>
                                 <m:t>𝑤</m:t>
                               </m:r>
                             </m:e>
                             <m:sub>
                               <m:r>
-                                <a:rPr lang="ru-RU" sz="2400" i="1"/>
+                                <a:rPr lang="ru-RU" sz="2400" i="1">
+                                  <a:latin typeface="Cambria Math" panose="02040503050406030204" pitchFamily="18" charset="0"/>
+                                </a:rPr>
                                 <m:t>𝑖</m:t>
                               </m:r>
                             </m:sub>
                           </m:sSub>
                           <m:r>
-                            <a:rPr lang="ru-RU" sz="2400"/>
+                            <a:rPr lang="ru-RU" sz="2400">
+                              <a:latin typeface="Cambria Math" panose="02040503050406030204" pitchFamily="18" charset="0"/>
+                            </a:rPr>
                             <m:t>⋅</m:t>
                           </m:r>
                           <m:r>
-                            <a:rPr lang="ru-RU" sz="2400" i="1"/>
+                            <a:rPr lang="ru-RU" sz="2400" i="1">
+                              <a:latin typeface="Cambria Math" panose="02040503050406030204" pitchFamily="18" charset="0"/>
+                            </a:rPr>
                             <m:t>𝑁</m:t>
                           </m:r>
                         </m:e>
@@ -6137,110 +6198,148 @@
                       <m:sSub>
                         <m:sSubPr>
                           <m:ctrlPr>
-                            <a:rPr lang="ru-RU" sz="2400" i="1"/>
+                            <a:rPr lang="ru-RU" sz="2400" i="1">
+                              <a:latin typeface="Cambria Math" panose="02040503050406030204" pitchFamily="18" charset="0"/>
+                            </a:rPr>
                           </m:ctrlPr>
                         </m:sSubPr>
                         <m:e>
                           <m:r>
-                            <a:rPr lang="en-US" sz="2400" i="1"/>
+                            <a:rPr lang="en-US" sz="2400" i="1">
+                              <a:latin typeface="Cambria Math" panose="02040503050406030204" pitchFamily="18" charset="0"/>
+                            </a:rPr>
                             <m:t>𝑓</m:t>
                           </m:r>
                         </m:e>
                         <m:sub>
                           <m:r>
-                            <a:rPr lang="en-US" sz="2400" i="1"/>
+                            <a:rPr lang="en-US" sz="2400" i="1">
+                              <a:latin typeface="Cambria Math" panose="02040503050406030204" pitchFamily="18" charset="0"/>
+                            </a:rPr>
                             <m:t>𝑟</m:t>
                           </m:r>
                         </m:sub>
                       </m:sSub>
                       <m:r>
-                        <a:rPr lang="en-US" sz="2400" i="1"/>
+                        <a:rPr lang="en-US" sz="2400" i="1">
+                          <a:latin typeface="Cambria Math" panose="02040503050406030204" pitchFamily="18" charset="0"/>
+                        </a:rPr>
                         <m:t>=</m:t>
                       </m:r>
                       <m:sSub>
                         <m:sSubPr>
                           <m:ctrlPr>
-                            <a:rPr lang="ru-RU" sz="2400" i="1"/>
+                            <a:rPr lang="ru-RU" sz="2400" i="1">
+                              <a:latin typeface="Cambria Math" panose="02040503050406030204" pitchFamily="18" charset="0"/>
+                            </a:rPr>
                           </m:ctrlPr>
                         </m:sSubPr>
                         <m:e>
                           <m:r>
-                            <a:rPr lang="en-US" sz="2400" i="1"/>
+                            <a:rPr lang="en-US" sz="2400" i="1">
+                              <a:latin typeface="Cambria Math" panose="02040503050406030204" pitchFamily="18" charset="0"/>
+                            </a:rPr>
                             <m:t>𝑘</m:t>
                           </m:r>
                         </m:e>
                         <m:sub>
                           <m:r>
-                            <a:rPr lang="en-US" sz="2400" i="1"/>
+                            <a:rPr lang="en-US" sz="2400" i="1">
+                              <a:latin typeface="Cambria Math" panose="02040503050406030204" pitchFamily="18" charset="0"/>
+                            </a:rPr>
                             <m:t>𝑑</m:t>
                           </m:r>
                         </m:sub>
                       </m:sSub>
                       <m:r>
-                        <a:rPr lang="en-US" sz="2400"/>
+                        <a:rPr lang="en-US" sz="2400">
+                          <a:latin typeface="Cambria Math" panose="02040503050406030204" pitchFamily="18" charset="0"/>
+                        </a:rPr>
                         <m:t>⋅</m:t>
                       </m:r>
                       <m:sSub>
                         <m:sSubPr>
                           <m:ctrlPr>
-                            <a:rPr lang="ru-RU" sz="2400" i="1"/>
+                            <a:rPr lang="ru-RU" sz="2400" i="1">
+                              <a:latin typeface="Cambria Math" panose="02040503050406030204" pitchFamily="18" charset="0"/>
+                            </a:rPr>
                           </m:ctrlPr>
                         </m:sSubPr>
                         <m:e>
                           <m:r>
-                            <a:rPr lang="en-US" sz="2400" i="1"/>
+                            <a:rPr lang="en-US" sz="2400" i="1">
+                              <a:latin typeface="Cambria Math" panose="02040503050406030204" pitchFamily="18" charset="0"/>
+                            </a:rPr>
                             <m:t>𝑓</m:t>
                           </m:r>
                         </m:e>
                         <m:sub>
                           <m:r>
-                            <a:rPr lang="en-US" sz="2400" i="1"/>
+                            <a:rPr lang="en-US" sz="2400" i="1">
+                              <a:latin typeface="Cambria Math" panose="02040503050406030204" pitchFamily="18" charset="0"/>
+                            </a:rPr>
                             <m:t>𝑑𝑖𝑓𝑓𝑢𝑠𝑒</m:t>
                           </m:r>
                         </m:sub>
                       </m:sSub>
                       <m:r>
-                        <a:rPr lang="en-US" sz="2400" i="1"/>
+                        <a:rPr lang="en-US" sz="2400" i="1">
+                          <a:latin typeface="Cambria Math" panose="02040503050406030204" pitchFamily="18" charset="0"/>
+                        </a:rPr>
                         <m:t>+</m:t>
                       </m:r>
                       <m:sSub>
                         <m:sSubPr>
                           <m:ctrlPr>
-                            <a:rPr lang="ru-RU" sz="2400" i="1"/>
+                            <a:rPr lang="ru-RU" sz="2400" i="1">
+                              <a:latin typeface="Cambria Math" panose="02040503050406030204" pitchFamily="18" charset="0"/>
+                            </a:rPr>
                           </m:ctrlPr>
                         </m:sSubPr>
                         <m:e>
                           <m:r>
-                            <a:rPr lang="en-US" sz="2400" i="1"/>
+                            <a:rPr lang="en-US" sz="2400" i="1">
+                              <a:latin typeface="Cambria Math" panose="02040503050406030204" pitchFamily="18" charset="0"/>
+                            </a:rPr>
                             <m:t>𝑘</m:t>
                           </m:r>
                         </m:e>
                         <m:sub>
                           <m:r>
-                            <a:rPr lang="en-US" sz="2400" i="1"/>
+                            <a:rPr lang="en-US" sz="2400" i="1">
+                              <a:latin typeface="Cambria Math" panose="02040503050406030204" pitchFamily="18" charset="0"/>
+                            </a:rPr>
                             <m:t>𝑠</m:t>
                           </m:r>
                         </m:sub>
                       </m:sSub>
                       <m:r>
-                        <a:rPr lang="en-US" sz="2400"/>
+                        <a:rPr lang="en-US" sz="2400">
+                          <a:latin typeface="Cambria Math" panose="02040503050406030204" pitchFamily="18" charset="0"/>
+                        </a:rPr>
                         <m:t>⋅</m:t>
                       </m:r>
                       <m:sSub>
                         <m:sSubPr>
                           <m:ctrlPr>
-                            <a:rPr lang="ru-RU" sz="2400" i="1"/>
+                            <a:rPr lang="ru-RU" sz="2400" i="1">
+                              <a:latin typeface="Cambria Math" panose="02040503050406030204" pitchFamily="18" charset="0"/>
+                            </a:rPr>
                           </m:ctrlPr>
                         </m:sSubPr>
                         <m:e>
                           <m:r>
-                            <a:rPr lang="en-US" sz="2400" i="1"/>
+                            <a:rPr lang="en-US" sz="2400" i="1">
+                              <a:latin typeface="Cambria Math" panose="02040503050406030204" pitchFamily="18" charset="0"/>
+                            </a:rPr>
                             <m:t>𝑓</m:t>
                           </m:r>
                         </m:e>
                         <m:sub>
                           <m:r>
-                            <a:rPr lang="en-US" sz="2400" i="1"/>
+                            <a:rPr lang="en-US" sz="2400" i="1">
+                              <a:latin typeface="Cambria Math" panose="02040503050406030204" pitchFamily="18" charset="0"/>
+                            </a:rPr>
                             <m:t>𝑠𝑝𝑒𝑐𝑢𝑙𝑎𝑟</m:t>
                           </m:r>
                         </m:sub>
@@ -6289,8 +6388,8 @@
             </p:nvSpPr>
             <p:spPr>
               <a:xfrm>
-                <a:off x="1235439" y="1645959"/>
-                <a:ext cx="4280942" cy="2708684"/>
+                <a:off x="1235438" y="1645959"/>
+                <a:ext cx="4446453" cy="2708684"/>
               </a:xfrm>
               <a:prstGeom prst="rect">
                 <a:avLst/>
@@ -6298,7 +6397,7 @@
               <a:blipFill>
                 <a:blip r:embed="rId3"/>
                 <a:stretch>
-                  <a:fillRect b="-2027"/>
+                  <a:fillRect l="-274" b="-1802"/>
                 </a:stretch>
               </a:blipFill>
             </p:spPr>
@@ -6859,8 +6958,8 @@
           </a:p>
         </p:txBody>
       </p:sp>
-      <mc:AlternateContent xmlns:mc="http://schemas.openxmlformats.org/markup-compatibility/2006">
-        <mc:Choice xmlns:a14="http://schemas.microsoft.com/office/drawing/2010/main" Requires="a14">
+      <mc:AlternateContent xmlns:mc="http://schemas.openxmlformats.org/markup-compatibility/2006" xmlns:a14="http://schemas.microsoft.com/office/drawing/2010/main">
+        <mc:Choice Requires="a14">
           <p:sp>
             <p:nvSpPr>
               <p:cNvPr id="12" name="Подзаголовок 2">
@@ -7065,75 +7164,101 @@
                       <m:sSub>
                         <m:sSubPr>
                           <m:ctrlPr>
-                            <a:rPr lang="ru-RU" i="1"/>
+                            <a:rPr lang="ru-RU" i="1">
+                              <a:latin typeface="Cambria Math" panose="02040503050406030204" pitchFamily="18" charset="0"/>
+                            </a:rPr>
                           </m:ctrlPr>
                         </m:sSubPr>
                         <m:e>
                           <m:r>
-                            <a:rPr lang="en-US" i="1"/>
+                            <a:rPr lang="en-US" i="1">
+                              <a:latin typeface="Cambria Math" panose="02040503050406030204" pitchFamily="18" charset="0"/>
+                            </a:rPr>
                             <m:t>𝑓</m:t>
                           </m:r>
                         </m:e>
                         <m:sub>
                           <m:r>
-                            <a:rPr lang="en-US" i="1"/>
+                            <a:rPr lang="en-US" i="1">
+                              <a:latin typeface="Cambria Math" panose="02040503050406030204" pitchFamily="18" charset="0"/>
+                            </a:rPr>
                             <m:t>𝑠𝑝𝑒𝑐𝑢𝑙𝑎𝑟</m:t>
                           </m:r>
                         </m:sub>
                       </m:sSub>
                       <m:r>
-                        <a:rPr lang="en-US" i="1"/>
+                        <a:rPr lang="en-US" i="1">
+                          <a:latin typeface="Cambria Math" panose="02040503050406030204" pitchFamily="18" charset="0"/>
+                        </a:rPr>
                         <m:t>=</m:t>
                       </m:r>
                       <m:f>
                         <m:fPr>
                           <m:ctrlPr>
-                            <a:rPr lang="ru-RU" i="1"/>
+                            <a:rPr lang="ru-RU" i="1">
+                              <a:latin typeface="Cambria Math" panose="02040503050406030204" pitchFamily="18" charset="0"/>
+                            </a:rPr>
                           </m:ctrlPr>
                         </m:fPr>
                         <m:num>
                           <m:r>
-                            <a:rPr lang="en-US" i="1"/>
+                            <a:rPr lang="en-US" i="1">
+                              <a:latin typeface="Cambria Math" panose="02040503050406030204" pitchFamily="18" charset="0"/>
+                            </a:rPr>
                             <m:t>𝐷𝐺𝐹</m:t>
                           </m:r>
                         </m:num>
                         <m:den>
                           <m:r>
-                            <a:rPr lang="en-US" i="1"/>
+                            <a:rPr lang="en-US" i="1">
+                              <a:latin typeface="Cambria Math" panose="02040503050406030204" pitchFamily="18" charset="0"/>
+                            </a:rPr>
                             <m:t>4</m:t>
                           </m:r>
                           <m:d>
                             <m:dPr>
                               <m:ctrlPr>
-                                <a:rPr lang="ru-RU" i="1"/>
+                                <a:rPr lang="ru-RU" i="1">
+                                  <a:latin typeface="Cambria Math" panose="02040503050406030204" pitchFamily="18" charset="0"/>
+                                </a:rPr>
                               </m:ctrlPr>
                             </m:dPr>
                             <m:e>
                               <m:sSub>
                                 <m:sSubPr>
                                   <m:ctrlPr>
-                                    <a:rPr lang="ru-RU" i="1"/>
+                                    <a:rPr lang="ru-RU" i="1">
+                                      <a:latin typeface="Cambria Math" panose="02040503050406030204" pitchFamily="18" charset="0"/>
+                                    </a:rPr>
                                   </m:ctrlPr>
                                 </m:sSubPr>
                                 <m:e>
                                   <m:r>
-                                    <a:rPr lang="en-US" i="1"/>
+                                    <a:rPr lang="en-US" i="1">
+                                      <a:latin typeface="Cambria Math" panose="02040503050406030204" pitchFamily="18" charset="0"/>
+                                    </a:rPr>
                                     <m:t>𝑤</m:t>
                                   </m:r>
                                 </m:e>
                                 <m:sub>
                                   <m:r>
-                                    <a:rPr lang="en-US" i="1"/>
+                                    <a:rPr lang="en-US" i="1">
+                                      <a:latin typeface="Cambria Math" panose="02040503050406030204" pitchFamily="18" charset="0"/>
+                                    </a:rPr>
                                     <m:t>0</m:t>
                                   </m:r>
                                 </m:sub>
                               </m:sSub>
                               <m:r>
-                                <a:rPr lang="en-US"/>
+                                <a:rPr lang="en-US">
+                                  <a:latin typeface="Cambria Math" panose="02040503050406030204" pitchFamily="18" charset="0"/>
+                                </a:rPr>
                                 <m:t>⋅</m:t>
                               </m:r>
                               <m:r>
-                                <a:rPr lang="en-US" i="1"/>
+                                <a:rPr lang="en-US" i="1">
+                                  <a:latin typeface="Cambria Math" panose="02040503050406030204" pitchFamily="18" charset="0"/>
+                                </a:rPr>
                                 <m:t>𝑁</m:t>
                               </m:r>
                             </m:e>
@@ -7141,35 +7266,47 @@
                           <m:d>
                             <m:dPr>
                               <m:ctrlPr>
-                                <a:rPr lang="ru-RU" i="1"/>
+                                <a:rPr lang="ru-RU" i="1">
+                                  <a:latin typeface="Cambria Math" panose="02040503050406030204" pitchFamily="18" charset="0"/>
+                                </a:rPr>
                               </m:ctrlPr>
                             </m:dPr>
                             <m:e>
                               <m:sSub>
                                 <m:sSubPr>
                                   <m:ctrlPr>
-                                    <a:rPr lang="ru-RU" i="1"/>
+                                    <a:rPr lang="ru-RU" i="1">
+                                      <a:latin typeface="Cambria Math" panose="02040503050406030204" pitchFamily="18" charset="0"/>
+                                    </a:rPr>
                                   </m:ctrlPr>
                                 </m:sSubPr>
                                 <m:e>
                                   <m:r>
-                                    <a:rPr lang="en-US" i="1"/>
+                                    <a:rPr lang="en-US" i="1">
+                                      <a:latin typeface="Cambria Math" panose="02040503050406030204" pitchFamily="18" charset="0"/>
+                                    </a:rPr>
                                     <m:t>𝐿</m:t>
                                   </m:r>
                                 </m:e>
                                 <m:sub>
                                   <m:r>
-                                    <a:rPr lang="en-US" i="1"/>
+                                    <a:rPr lang="en-US" i="1">
+                                      <a:latin typeface="Cambria Math" panose="02040503050406030204" pitchFamily="18" charset="0"/>
+                                    </a:rPr>
                                     <m:t>𝐷</m:t>
                                   </m:r>
                                 </m:sub>
                               </m:sSub>
                               <m:r>
-                                <a:rPr lang="en-US"/>
+                                <a:rPr lang="en-US">
+                                  <a:latin typeface="Cambria Math" panose="02040503050406030204" pitchFamily="18" charset="0"/>
+                                </a:rPr>
                                 <m:t>⋅</m:t>
                               </m:r>
                               <m:r>
-                                <a:rPr lang="en-US" i="1"/>
+                                <a:rPr lang="en-US" i="1">
+                                  <a:latin typeface="Cambria Math" panose="02040503050406030204" pitchFamily="18" charset="0"/>
+                                </a:rPr>
                                 <m:t>𝑁</m:t>
                               </m:r>
                             </m:e>
@@ -7192,7 +7329,7 @@
             </p:txBody>
           </p:sp>
         </mc:Choice>
-        <mc:Fallback>
+        <mc:Fallback xmlns="">
           <p:sp>
             <p:nvSpPr>
               <p:cNvPr id="12" name="Подзаголовок 2">
